--- a/НефедовАртем_Защита.pptx
+++ b/НефедовАртем_Защита.pptx
@@ -7339,6 +7339,104 @@
           </a:prstGeom>
         </p:spPr>
       </p:pic>
+      <p:pic>
+        <p:nvPicPr>
+          <p:cNvPr id="9" name="Рисунок 8">
+            <a:extLst>
+              <a:ext uri="{FF2B5EF4-FFF2-40B4-BE49-F238E27FC236}">
+                <a16:creationId xmlns:a16="http://schemas.microsoft.com/office/drawing/2014/main" id="{BF358ABD-80AB-7FCC-FF0E-BAD4C48A8269}"/>
+              </a:ext>
+            </a:extLst>
+          </p:cNvPr>
+          <p:cNvPicPr>
+            <a:picLocks noChangeAspect="1"/>
+          </p:cNvPicPr>
+          <p:nvPr/>
+        </p:nvPicPr>
+        <p:blipFill>
+          <a:blip r:embed="rId9">
+            <a:extLst>
+              <a:ext uri="{28A0092B-C50C-407E-A947-70E740481C1C}">
+                <a14:useLocalDpi xmlns:a14="http://schemas.microsoft.com/office/drawing/2010/main" val="0"/>
+              </a:ext>
+            </a:extLst>
+          </a:blip>
+          <a:stretch>
+            <a:fillRect/>
+          </a:stretch>
+        </p:blipFill>
+        <p:spPr>
+          <a:xfrm>
+            <a:off x="3004489" y="7081575"/>
+            <a:ext cx="7554692" cy="3159996"/>
+          </a:xfrm>
+          <a:prstGeom prst="rect">
+            <a:avLst/>
+          </a:prstGeom>
+        </p:spPr>
+      </p:pic>
+      <p:sp>
+        <p:nvSpPr>
+          <p:cNvPr id="10" name="Заголовок 1">
+            <a:extLst>
+              <a:ext uri="{FF2B5EF4-FFF2-40B4-BE49-F238E27FC236}">
+                <a16:creationId xmlns:a16="http://schemas.microsoft.com/office/drawing/2014/main" id="{243D975F-6E65-9E2A-2F5C-4FA7A516E569}"/>
+              </a:ext>
+            </a:extLst>
+          </p:cNvPr>
+          <p:cNvSpPr txBox="1">
+            <a:spLocks/>
+          </p:cNvSpPr>
+          <p:nvPr/>
+        </p:nvSpPr>
+        <p:spPr>
+          <a:xfrm>
+            <a:off x="62588" y="7327217"/>
+            <a:ext cx="2234589" cy="1139825"/>
+          </a:xfrm>
+          <a:prstGeom prst="rect">
+            <a:avLst/>
+          </a:prstGeom>
+        </p:spPr>
+        <p:txBody>
+          <a:bodyPr vert="horz" lIns="91440" tIns="45720" rIns="91440" bIns="45720" rtlCol="0" anchor="ctr">
+            <a:normAutofit/>
+          </a:bodyPr>
+          <a:lstStyle>
+            <a:lvl1pPr algn="l" defTabSz="914400" rtl="0" eaLnBrk="1" latinLnBrk="0" hangingPunct="1">
+              <a:lnSpc>
+                <a:spcPct val="90000"/>
+              </a:lnSpc>
+              <a:spcBef>
+                <a:spcPct val="0"/>
+              </a:spcBef>
+              <a:buNone/>
+              <a:defRPr sz="4400" kern="1200">
+                <a:solidFill>
+                  <a:schemeClr val="tx1"/>
+                </a:solidFill>
+                <a:latin typeface="+mj-lt"/>
+                <a:ea typeface="+mj-ea"/>
+                <a:cs typeface="+mj-cs"/>
+              </a:defRPr>
+            </a:lvl1pPr>
+          </a:lstStyle>
+          <a:p>
+            <a:pPr algn="ctr"/>
+            <a:r>
+              <a:rPr lang="en-US" sz="3600" dirty="0">
+                <a:latin typeface="Arial" panose="020B0604020202020204" pitchFamily="34" charset="0"/>
+                <a:cs typeface="Arial" panose="020B0604020202020204" pitchFamily="34" charset="0"/>
+              </a:rPr>
+              <a:t>ER </a:t>
+            </a:r>
+            <a:endParaRPr lang="ru-RU" sz="3600" dirty="0">
+              <a:latin typeface="Arial" panose="020B0604020202020204" pitchFamily="34" charset="0"/>
+              <a:cs typeface="Arial" panose="020B0604020202020204" pitchFamily="34" charset="0"/>
+            </a:endParaRPr>
+          </a:p>
+        </p:txBody>
+      </p:sp>
     </p:spTree>
     <p:extLst>
       <p:ext uri="{BB962C8B-B14F-4D97-AF65-F5344CB8AC3E}">
@@ -7349,18 +7447,167 @@
   <p:clrMapOvr>
     <a:masterClrMapping/>
   </p:clrMapOvr>
-  <mc:AlternateContent xmlns:mc="http://schemas.openxmlformats.org/markup-compatibility/2006">
-    <mc:Choice xmlns:p159="http://schemas.microsoft.com/office/powerpoint/2015/09/main" Requires="p159">
+  <mc:AlternateContent xmlns:mc="http://schemas.openxmlformats.org/markup-compatibility/2006" xmlns:p159="http://schemas.microsoft.com/office/powerpoint/2015/09/main">
+    <mc:Choice Requires="p159">
       <p:transition xmlns:p14="http://schemas.microsoft.com/office/powerpoint/2010/main" spd="slow" p14:dur="2000">
         <p159:morph option="byObject"/>
       </p:transition>
     </mc:Choice>
-    <mc:Fallback>
+    <mc:Fallback xmlns="">
       <p:transition spd="slow">
         <p:fade/>
       </p:transition>
     </mc:Fallback>
   </mc:AlternateContent>
+  <p:timing>
+    <p:tnLst>
+      <p:par>
+        <p:cTn id="1" dur="indefinite" restart="never" nodeType="tmRoot">
+          <p:childTnLst>
+            <p:seq concurrent="1" nextAc="seek">
+              <p:cTn id="2" dur="indefinite" nodeType="mainSeq">
+                <p:childTnLst>
+                  <p:par>
+                    <p:cTn id="3" fill="hold">
+                      <p:stCondLst>
+                        <p:cond delay="indefinite"/>
+                      </p:stCondLst>
+                      <p:childTnLst>
+                        <p:par>
+                          <p:cTn id="4" fill="hold">
+                            <p:stCondLst>
+                              <p:cond delay="0"/>
+                            </p:stCondLst>
+                            <p:childTnLst>
+                              <p:par>
+                                <p:cTn id="5" presetID="42" presetClass="path" presetSubtype="0" accel="50000" decel="50000" fill="hold" grpId="0" nodeType="clickEffect">
+                                  <p:stCondLst>
+                                    <p:cond delay="0"/>
+                                  </p:stCondLst>
+                                  <p:childTnLst>
+                                    <p:animMotion origin="layout" path="M -4.375E-6 7.40741E-7 L -0.00599 0.57361 " pathEditMode="relative" rAng="0" ptsTypes="AA">
+                                      <p:cBhvr>
+                                        <p:cTn id="6" dur="2000" fill="hold"/>
+                                        <p:tgtEl>
+                                          <p:spTgt spid="5"/>
+                                        </p:tgtEl>
+                                        <p:attrNameLst>
+                                          <p:attrName>ppt_x</p:attrName>
+                                          <p:attrName>ppt_y</p:attrName>
+                                        </p:attrNameLst>
+                                      </p:cBhvr>
+                                      <p:rCtr x="0" y="29005"/>
+                                    </p:animMotion>
+                                  </p:childTnLst>
+                                </p:cTn>
+                              </p:par>
+                              <p:par>
+                                <p:cTn id="7" presetID="42" presetClass="path" presetSubtype="0" accel="50000" decel="50000" fill="hold" nodeType="withEffect">
+                                  <p:stCondLst>
+                                    <p:cond delay="0"/>
+                                  </p:stCondLst>
+                                  <p:childTnLst>
+                                    <p:animMotion origin="layout" path="M 1.66667E-6 1.85185E-6 L 1.66667E-6 0.81088 " pathEditMode="relative" rAng="0" ptsTypes="AA">
+                                      <p:cBhvr>
+                                        <p:cTn id="8" dur="2000" fill="hold"/>
+                                        <p:tgtEl>
+                                          <p:spTgt spid="7"/>
+                                        </p:tgtEl>
+                                        <p:attrNameLst>
+                                          <p:attrName>ppt_x</p:attrName>
+                                          <p:attrName>ppt_y</p:attrName>
+                                        </p:attrNameLst>
+                                      </p:cBhvr>
+                                      <p:rCtr x="0" y="40532"/>
+                                    </p:animMotion>
+                                  </p:childTnLst>
+                                </p:cTn>
+                              </p:par>
+                            </p:childTnLst>
+                          </p:cTn>
+                        </p:par>
+                        <p:par>
+                          <p:cTn id="9" fill="hold">
+                            <p:stCondLst>
+                              <p:cond delay="2000"/>
+                            </p:stCondLst>
+                            <p:childTnLst>
+                              <p:par>
+                                <p:cTn id="10" presetID="42" presetClass="path" presetSubtype="0" accel="50000" decel="50000" fill="hold" nodeType="afterEffect">
+                                  <p:stCondLst>
+                                    <p:cond delay="0"/>
+                                  </p:stCondLst>
+                                  <p:childTnLst>
+                                    <p:animMotion origin="layout" path="M 0 -2.96296E-6 L -0.00664 -0.7074 " pathEditMode="relative" rAng="0" ptsTypes="AA">
+                                      <p:cBhvr>
+                                        <p:cTn id="11" dur="2000" fill="hold"/>
+                                        <p:tgtEl>
+                                          <p:spTgt spid="9"/>
+                                        </p:tgtEl>
+                                        <p:attrNameLst>
+                                          <p:attrName>ppt_x</p:attrName>
+                                          <p:attrName>ppt_y</p:attrName>
+                                        </p:attrNameLst>
+                                      </p:cBhvr>
+                                      <p:rCtr x="-339" y="-35370"/>
+                                    </p:animMotion>
+                                  </p:childTnLst>
+                                </p:cTn>
+                              </p:par>
+                              <p:par>
+                                <p:cTn id="12" presetID="42" presetClass="path" presetSubtype="0" accel="50000" decel="50000" fill="hold" grpId="0" nodeType="withEffect">
+                                  <p:stCondLst>
+                                    <p:cond delay="0"/>
+                                  </p:stCondLst>
+                                  <p:childTnLst>
+                                    <p:animMotion origin="layout" path="M -4.79167E-6 -3.7037E-7 L -4.79167E-6 -0.57662 " pathEditMode="relative" rAng="0" ptsTypes="AA">
+                                      <p:cBhvr>
+                                        <p:cTn id="13" dur="2000" fill="hold"/>
+                                        <p:tgtEl>
+                                          <p:spTgt spid="10"/>
+                                        </p:tgtEl>
+                                        <p:attrNameLst>
+                                          <p:attrName>ppt_x</p:attrName>
+                                          <p:attrName>ppt_y</p:attrName>
+                                        </p:attrNameLst>
+                                      </p:cBhvr>
+                                      <p:rCtr x="0" y="-28843"/>
+                                    </p:animMotion>
+                                  </p:childTnLst>
+                                </p:cTn>
+                              </p:par>
+                            </p:childTnLst>
+                          </p:cTn>
+                        </p:par>
+                      </p:childTnLst>
+                    </p:cTn>
+                  </p:par>
+                </p:childTnLst>
+              </p:cTn>
+              <p:prevCondLst>
+                <p:cond evt="onPrev" delay="0">
+                  <p:tgtEl>
+                    <p:sldTgt/>
+                  </p:tgtEl>
+                </p:cond>
+              </p:prevCondLst>
+              <p:nextCondLst>
+                <p:cond evt="onNext" delay="0">
+                  <p:tgtEl>
+                    <p:sldTgt/>
+                  </p:tgtEl>
+                </p:cond>
+              </p:nextCondLst>
+            </p:seq>
+          </p:childTnLst>
+        </p:cTn>
+      </p:par>
+    </p:tnLst>
+    <p:bldLst>
+      <p:bldP spid="5" grpId="0"/>
+      <p:bldP spid="10" grpId="0"/>
+    </p:bldLst>
+  </p:timing>
 </p:sld>
 </file>
 
